--- a/Poster_thesis.pptx
+++ b/Poster_thesis.pptx
@@ -3258,8 +3258,8 @@
           </a:p>
         </p:txBody>
       </p:sp>
-      <mc:AlternateContent xmlns:mc="http://schemas.openxmlformats.org/markup-compatibility/2006">
-        <mc:Choice xmlns:a14="http://schemas.microsoft.com/office/drawing/2010/main" Requires="a14">
+      <mc:AlternateContent xmlns:mc="http://schemas.openxmlformats.org/markup-compatibility/2006" xmlns:a14="http://schemas.microsoft.com/office/drawing/2010/main">
+        <mc:Choice Requires="a14">
           <p:sp>
             <p:nvSpPr>
               <p:cNvPr id="10" name="Content Placeholder 10"/>
@@ -3507,28 +3507,38 @@
                     </m:oMathParaPr>
                     <m:oMath xmlns:m="http://schemas.openxmlformats.org/officeDocument/2006/math">
                       <m:r>
-                        <a:rPr lang="en-IN" sz="2400" i="1"/>
+                        <a:rPr lang="en-IN" sz="2400" i="1">
+                          <a:latin typeface="Cambria Math" panose="02040503050406030204" pitchFamily="18" charset="0"/>
+                        </a:rPr>
                         <m:t>𝐴𝑈</m:t>
                       </m:r>
                       <m:r>
-                        <a:rPr lang="en-IN" sz="2400" i="1"/>
+                        <a:rPr lang="en-IN" sz="2400" i="1">
+                          <a:latin typeface="Cambria Math" panose="02040503050406030204" pitchFamily="18" charset="0"/>
+                        </a:rPr>
                         <m:t>=</m:t>
                       </m:r>
                       <m:f>
                         <m:fPr>
                           <m:ctrlPr>
-                            <a:rPr lang="en-IN" sz="2400" i="1"/>
+                            <a:rPr lang="en-IN" sz="2400" i="1">
+                              <a:latin typeface="Cambria Math" panose="02040503050406030204" pitchFamily="18" charset="0"/>
+                            </a:rPr>
                           </m:ctrlPr>
                         </m:fPr>
                         <m:num>
                           <m:r>
-                            <a:rPr lang="en-IN" sz="2400" i="1"/>
+                            <a:rPr lang="en-IN" sz="2400" i="1">
+                              <a:latin typeface="Cambria Math" panose="02040503050406030204" pitchFamily="18" charset="0"/>
+                            </a:rPr>
                             <m:t>1</m:t>
                           </m:r>
                         </m:num>
                         <m:den>
                           <m:r>
-                            <a:rPr lang="en-IN" sz="2400" i="1"/>
+                            <a:rPr lang="en-IN" sz="2400" i="1">
+                              <a:latin typeface="Cambria Math" panose="02040503050406030204" pitchFamily="18" charset="0"/>
+                            </a:rPr>
                             <m:t>𝑁</m:t>
                           </m:r>
                         </m:den>
@@ -3538,22 +3548,30 @@
                           <m:chr m:val="∑"/>
                           <m:limLoc m:val="undOvr"/>
                           <m:ctrlPr>
-                            <a:rPr lang="en-IN" sz="2400" i="1"/>
+                            <a:rPr lang="en-IN" sz="2400" i="1">
+                              <a:latin typeface="Cambria Math" panose="02040503050406030204" pitchFamily="18" charset="0"/>
+                            </a:rPr>
                           </m:ctrlPr>
                         </m:naryPr>
                         <m:sub>
                           <m:r>
-                            <a:rPr lang="en-IN" sz="2400" i="1"/>
+                            <a:rPr lang="en-IN" sz="2400" i="1">
+                              <a:latin typeface="Cambria Math" panose="02040503050406030204" pitchFamily="18" charset="0"/>
+                            </a:rPr>
                             <m:t>𝑛</m:t>
                           </m:r>
                           <m:r>
-                            <a:rPr lang="en-IN" sz="2400" i="1"/>
+                            <a:rPr lang="en-IN" sz="2400" i="1">
+                              <a:latin typeface="Cambria Math" panose="02040503050406030204" pitchFamily="18" charset="0"/>
+                            </a:rPr>
                             <m:t>=1</m:t>
                           </m:r>
                         </m:sub>
                         <m:sup>
                           <m:r>
-                            <a:rPr lang="en-IN" sz="2400" i="1"/>
+                            <a:rPr lang="en-IN" sz="2400" i="1">
+                              <a:latin typeface="Cambria Math" panose="02040503050406030204" pitchFamily="18" charset="0"/>
+                            </a:rPr>
                             <m:t>𝑁</m:t>
                           </m:r>
                         </m:sup>
@@ -3561,216 +3579,290 @@
                           <m:sSup>
                             <m:sSupPr>
                               <m:ctrlPr>
-                                <a:rPr lang="en-IN" sz="2400" i="1"/>
+                                <a:rPr lang="en-IN" sz="2400" i="1">
+                                  <a:latin typeface="Cambria Math" panose="02040503050406030204" pitchFamily="18" charset="0"/>
+                                </a:rPr>
                               </m:ctrlPr>
                             </m:sSupPr>
                             <m:e>
                               <m:d>
                                 <m:dPr>
                                   <m:ctrlPr>
-                                    <a:rPr lang="en-IN" sz="2400" i="1"/>
+                                    <a:rPr lang="en-IN" sz="2400" i="1">
+                                      <a:latin typeface="Cambria Math" panose="02040503050406030204" pitchFamily="18" charset="0"/>
+                                    </a:rPr>
                                   </m:ctrlPr>
                                 </m:dPr>
                                 <m:e>
                                   <m:sSup>
                                     <m:sSupPr>
                                       <m:ctrlPr>
-                                        <a:rPr lang="en-IN" sz="2400" i="1"/>
+                                        <a:rPr lang="en-IN" sz="2400" i="1">
+                                          <a:latin typeface="Cambria Math" panose="02040503050406030204" pitchFamily="18" charset="0"/>
+                                        </a:rPr>
                                       </m:ctrlPr>
                                     </m:sSupPr>
                                     <m:e>
                                       <m:r>
-                                        <a:rPr lang="en-IN" sz="2400" i="1"/>
+                                        <a:rPr lang="en-IN" sz="2400" i="1">
+                                          <a:latin typeface="Cambria Math" panose="02040503050406030204" pitchFamily="18" charset="0"/>
+                                        </a:rPr>
                                         <m:t>(</m:t>
                                       </m:r>
                                       <m:sSub>
                                         <m:sSubPr>
                                           <m:ctrlPr>
-                                            <a:rPr lang="en-IN" sz="2400" i="1"/>
+                                            <a:rPr lang="en-IN" sz="2400" i="1">
+                                              <a:latin typeface="Cambria Math" panose="02040503050406030204" pitchFamily="18" charset="0"/>
+                                            </a:rPr>
                                           </m:ctrlPr>
                                         </m:sSubPr>
                                         <m:e>
                                           <m:r>
-                                            <a:rPr lang="en-IN" sz="2400" i="1"/>
+                                            <a:rPr lang="en-IN" sz="2400" i="1">
+                                              <a:latin typeface="Cambria Math" panose="02040503050406030204" pitchFamily="18" charset="0"/>
+                                            </a:rPr>
                                             <m:t>𝑥</m:t>
                                           </m:r>
                                         </m:e>
                                         <m:sub>
                                           <m:r>
-                                            <a:rPr lang="en-IN" sz="2400" i="1"/>
+                                            <a:rPr lang="en-IN" sz="2400" i="1">
+                                              <a:latin typeface="Cambria Math" panose="02040503050406030204" pitchFamily="18" charset="0"/>
+                                            </a:rPr>
                                             <m:t>𝑛</m:t>
                                           </m:r>
                                         </m:sub>
                                       </m:sSub>
                                       <m:r>
-                                        <a:rPr lang="en-IN" sz="2400" i="1"/>
+                                        <a:rPr lang="en-IN" sz="2400" i="1">
+                                          <a:latin typeface="Cambria Math" panose="02040503050406030204" pitchFamily="18" charset="0"/>
+                                        </a:rPr>
                                         <m:t>−</m:t>
                                       </m:r>
                                       <m:sSub>
                                         <m:sSubPr>
                                           <m:ctrlPr>
-                                            <a:rPr lang="en-IN" sz="2400" i="1"/>
+                                            <a:rPr lang="en-IN" sz="2400" i="1">
+                                              <a:latin typeface="Cambria Math" panose="02040503050406030204" pitchFamily="18" charset="0"/>
+                                            </a:rPr>
                                           </m:ctrlPr>
                                         </m:sSubPr>
                                         <m:e>
                                           <m:r>
-                                            <a:rPr lang="en-IN" sz="2400" i="1"/>
+                                            <a:rPr lang="en-IN" sz="2400" i="1">
+                                              <a:latin typeface="Cambria Math" panose="02040503050406030204" pitchFamily="18" charset="0"/>
+                                            </a:rPr>
                                             <m:t>𝑥</m:t>
                                           </m:r>
                                         </m:e>
                                         <m:sub>
                                           <m:r>
-                                            <a:rPr lang="en-IN" sz="2400" i="1"/>
+                                            <a:rPr lang="en-IN" sz="2400" i="1">
+                                              <a:latin typeface="Cambria Math" panose="02040503050406030204" pitchFamily="18" charset="0"/>
+                                            </a:rPr>
                                             <m:t>𝑚𝑒𝑎𝑛</m:t>
                                           </m:r>
                                         </m:sub>
                                       </m:sSub>
                                       <m:r>
-                                        <a:rPr lang="en-IN" sz="2400" i="1"/>
+                                        <a:rPr lang="en-IN" sz="2400" i="1">
+                                          <a:latin typeface="Cambria Math" panose="02040503050406030204" pitchFamily="18" charset="0"/>
+                                        </a:rPr>
                                         <m:t>)</m:t>
                                       </m:r>
                                     </m:e>
                                     <m:sup>
                                       <m:r>
-                                        <a:rPr lang="en-IN" sz="2400" i="1"/>
+                                        <a:rPr lang="en-IN" sz="2400" i="1">
+                                          <a:latin typeface="Cambria Math" panose="02040503050406030204" pitchFamily="18" charset="0"/>
+                                        </a:rPr>
                                         <m:t>2</m:t>
                                       </m:r>
                                     </m:sup>
                                   </m:sSup>
                                   <m:r>
-                                    <a:rPr lang="en-IN" sz="2400" i="1"/>
+                                    <a:rPr lang="en-IN" sz="2400" i="1">
+                                      <a:latin typeface="Cambria Math" panose="02040503050406030204" pitchFamily="18" charset="0"/>
+                                    </a:rPr>
                                     <m:t>+</m:t>
                                   </m:r>
                                   <m:sSup>
                                     <m:sSupPr>
                                       <m:ctrlPr>
-                                        <a:rPr lang="en-IN" sz="2400" i="1"/>
+                                        <a:rPr lang="en-IN" sz="2400" i="1">
+                                          <a:latin typeface="Cambria Math" panose="02040503050406030204" pitchFamily="18" charset="0"/>
+                                        </a:rPr>
                                       </m:ctrlPr>
                                     </m:sSupPr>
                                     <m:e>
                                       <m:r>
-                                        <a:rPr lang="en-IN" sz="2400" i="1"/>
+                                        <a:rPr lang="en-IN" sz="2400" i="1">
+                                          <a:latin typeface="Cambria Math" panose="02040503050406030204" pitchFamily="18" charset="0"/>
+                                        </a:rPr>
                                         <m:t>(</m:t>
                                       </m:r>
                                       <m:sSub>
                                         <m:sSubPr>
                                           <m:ctrlPr>
-                                            <a:rPr lang="en-IN" sz="2400" i="1"/>
+                                            <a:rPr lang="en-IN" sz="2400" i="1">
+                                              <a:latin typeface="Cambria Math" panose="02040503050406030204" pitchFamily="18" charset="0"/>
+                                            </a:rPr>
                                           </m:ctrlPr>
                                         </m:sSubPr>
                                         <m:e>
                                           <m:r>
-                                            <a:rPr lang="en-IN" sz="2400" i="1"/>
+                                            <a:rPr lang="en-IN" sz="2400" i="1">
+                                              <a:latin typeface="Cambria Math" panose="02040503050406030204" pitchFamily="18" charset="0"/>
+                                            </a:rPr>
                                             <m:t>𝑦</m:t>
                                           </m:r>
                                         </m:e>
                                         <m:sub>
                                           <m:r>
-                                            <a:rPr lang="en-IN" sz="2400" i="1"/>
+                                            <a:rPr lang="en-IN" sz="2400" i="1">
+                                              <a:latin typeface="Cambria Math" panose="02040503050406030204" pitchFamily="18" charset="0"/>
+                                            </a:rPr>
                                             <m:t>𝑛</m:t>
                                           </m:r>
                                         </m:sub>
                                       </m:sSub>
                                       <m:r>
-                                        <a:rPr lang="en-IN" sz="2400" i="1"/>
+                                        <a:rPr lang="en-IN" sz="2400" i="1">
+                                          <a:latin typeface="Cambria Math" panose="02040503050406030204" pitchFamily="18" charset="0"/>
+                                        </a:rPr>
                                         <m:t>−</m:t>
                                       </m:r>
                                       <m:sSub>
                                         <m:sSubPr>
                                           <m:ctrlPr>
-                                            <a:rPr lang="en-IN" sz="2400" i="1"/>
+                                            <a:rPr lang="en-IN" sz="2400" i="1">
+                                              <a:latin typeface="Cambria Math" panose="02040503050406030204" pitchFamily="18" charset="0"/>
+                                            </a:rPr>
                                           </m:ctrlPr>
                                         </m:sSubPr>
                                         <m:e>
                                           <m:r>
-                                            <a:rPr lang="en-IN" sz="2400" i="1"/>
+                                            <a:rPr lang="en-IN" sz="2400" i="1">
+                                              <a:latin typeface="Cambria Math" panose="02040503050406030204" pitchFamily="18" charset="0"/>
+                                            </a:rPr>
                                             <m:t>𝑦</m:t>
                                           </m:r>
                                         </m:e>
                                         <m:sub>
                                           <m:r>
-                                            <a:rPr lang="en-IN" sz="2400" i="1"/>
+                                            <a:rPr lang="en-IN" sz="2400" i="1">
+                                              <a:latin typeface="Cambria Math" panose="02040503050406030204" pitchFamily="18" charset="0"/>
+                                            </a:rPr>
                                             <m:t>𝑚𝑒𝑎𝑛</m:t>
                                           </m:r>
                                         </m:sub>
                                       </m:sSub>
                                       <m:r>
-                                        <a:rPr lang="en-IN" sz="2400" i="1"/>
+                                        <a:rPr lang="en-IN" sz="2400" i="1">
+                                          <a:latin typeface="Cambria Math" panose="02040503050406030204" pitchFamily="18" charset="0"/>
+                                        </a:rPr>
                                         <m:t>)</m:t>
                                       </m:r>
                                     </m:e>
                                     <m:sup>
                                       <m:r>
-                                        <a:rPr lang="en-IN" sz="2400" i="1"/>
+                                        <a:rPr lang="en-IN" sz="2400" i="1">
+                                          <a:latin typeface="Cambria Math" panose="02040503050406030204" pitchFamily="18" charset="0"/>
+                                        </a:rPr>
                                         <m:t>2</m:t>
                                       </m:r>
                                     </m:sup>
                                   </m:sSup>
                                   <m:r>
-                                    <a:rPr lang="en-IN" sz="2400" i="1"/>
+                                    <a:rPr lang="en-IN" sz="2400" i="1">
+                                      <a:latin typeface="Cambria Math" panose="02040503050406030204" pitchFamily="18" charset="0"/>
+                                    </a:rPr>
                                     <m:t>+</m:t>
                                   </m:r>
                                   <m:sSup>
                                     <m:sSupPr>
                                       <m:ctrlPr>
-                                        <a:rPr lang="en-IN" sz="2400" i="1"/>
+                                        <a:rPr lang="en-IN" sz="2400" i="1">
+                                          <a:latin typeface="Cambria Math" panose="02040503050406030204" pitchFamily="18" charset="0"/>
+                                        </a:rPr>
                                       </m:ctrlPr>
                                     </m:sSupPr>
                                     <m:e>
                                       <m:r>
-                                        <a:rPr lang="en-IN" sz="2400" i="1"/>
+                                        <a:rPr lang="en-IN" sz="2400" i="1">
+                                          <a:latin typeface="Cambria Math" panose="02040503050406030204" pitchFamily="18" charset="0"/>
+                                        </a:rPr>
                                         <m:t>(</m:t>
                                       </m:r>
                                       <m:sSub>
                                         <m:sSubPr>
                                           <m:ctrlPr>
-                                            <a:rPr lang="en-IN" sz="2400" i="1"/>
+                                            <a:rPr lang="en-IN" sz="2400" i="1">
+                                              <a:latin typeface="Cambria Math" panose="02040503050406030204" pitchFamily="18" charset="0"/>
+                                            </a:rPr>
                                           </m:ctrlPr>
                                         </m:sSubPr>
                                         <m:e>
                                           <m:r>
-                                            <a:rPr lang="en-IN" sz="2400" i="1"/>
+                                            <a:rPr lang="en-IN" sz="2400" i="1">
+                                              <a:latin typeface="Cambria Math" panose="02040503050406030204" pitchFamily="18" charset="0"/>
+                                            </a:rPr>
                                             <m:t>𝑧</m:t>
                                           </m:r>
                                         </m:e>
                                         <m:sub>
                                           <m:r>
-                                            <a:rPr lang="en-IN" sz="2400" i="1"/>
+                                            <a:rPr lang="en-IN" sz="2400" i="1">
+                                              <a:latin typeface="Cambria Math" panose="02040503050406030204" pitchFamily="18" charset="0"/>
+                                            </a:rPr>
                                             <m:t>𝑛</m:t>
                                           </m:r>
                                         </m:sub>
                                       </m:sSub>
                                       <m:r>
-                                        <a:rPr lang="en-IN" sz="2400" i="1"/>
+                                        <a:rPr lang="en-IN" sz="2400" i="1">
+                                          <a:latin typeface="Cambria Math" panose="02040503050406030204" pitchFamily="18" charset="0"/>
+                                        </a:rPr>
                                         <m:t>−</m:t>
                                       </m:r>
                                       <m:sSub>
                                         <m:sSubPr>
                                           <m:ctrlPr>
-                                            <a:rPr lang="en-IN" sz="2400" i="1"/>
+                                            <a:rPr lang="en-IN" sz="2400" i="1">
+                                              <a:latin typeface="Cambria Math" panose="02040503050406030204" pitchFamily="18" charset="0"/>
+                                            </a:rPr>
                                           </m:ctrlPr>
                                         </m:sSubPr>
                                         <m:e>
                                           <m:r>
-                                            <a:rPr lang="en-IN" sz="2400" i="1"/>
+                                            <a:rPr lang="en-IN" sz="2400" i="1">
+                                              <a:latin typeface="Cambria Math" panose="02040503050406030204" pitchFamily="18" charset="0"/>
+                                            </a:rPr>
                                             <m:t>𝑧</m:t>
                                           </m:r>
                                         </m:e>
                                         <m:sub>
                                           <m:r>
-                                            <a:rPr lang="en-IN" sz="2400" i="1"/>
+                                            <a:rPr lang="en-IN" sz="2400" i="1">
+                                              <a:latin typeface="Cambria Math" panose="02040503050406030204" pitchFamily="18" charset="0"/>
+                                            </a:rPr>
                                             <m:t>𝑚𝑒𝑎𝑛</m:t>
                                           </m:r>
                                         </m:sub>
                                       </m:sSub>
                                       <m:r>
-                                        <a:rPr lang="en-IN" sz="2400" i="1"/>
+                                        <a:rPr lang="en-IN" sz="2400" i="1">
+                                          <a:latin typeface="Cambria Math" panose="02040503050406030204" pitchFamily="18" charset="0"/>
+                                        </a:rPr>
                                         <m:t>)</m:t>
                                       </m:r>
                                     </m:e>
                                     <m:sup>
                                       <m:r>
-                                        <a:rPr lang="en-IN" sz="2400" i="1"/>
+                                        <a:rPr lang="en-IN" sz="2400" i="1">
+                                          <a:latin typeface="Cambria Math" panose="02040503050406030204" pitchFamily="18" charset="0"/>
+                                        </a:rPr>
                                         <m:t>2</m:t>
                                       </m:r>
                                     </m:sup>
@@ -3782,18 +3874,24 @@
                               <m:f>
                                 <m:fPr>
                                   <m:ctrlPr>
-                                    <a:rPr lang="en-IN" sz="2400" i="1"/>
+                                    <a:rPr lang="en-IN" sz="2400" i="1">
+                                      <a:latin typeface="Cambria Math" panose="02040503050406030204" pitchFamily="18" charset="0"/>
+                                    </a:rPr>
                                   </m:ctrlPr>
                                 </m:fPr>
                                 <m:num>
                                   <m:r>
-                                    <a:rPr lang="en-IN" sz="2400" i="1"/>
+                                    <a:rPr lang="en-IN" sz="2400" i="1">
+                                      <a:latin typeface="Cambria Math" panose="02040503050406030204" pitchFamily="18" charset="0"/>
+                                    </a:rPr>
                                     <m:t>1</m:t>
                                   </m:r>
                                 </m:num>
                                 <m:den>
                                   <m:r>
-                                    <a:rPr lang="en-IN" sz="2400" i="1"/>
+                                    <a:rPr lang="en-IN" sz="2400" i="1">
+                                      <a:latin typeface="Cambria Math" panose="02040503050406030204" pitchFamily="18" charset="0"/>
+                                    </a:rPr>
                                     <m:t>2</m:t>
                                   </m:r>
                                 </m:den>
@@ -3843,6 +3941,7 @@
                 <a:endParaRPr lang="en-IN" sz="2400" dirty="0"/>
               </a:p>
               <a:p>
+                <a:pPr/>
                 <a14:m>
                   <m:oMathPara xmlns:m="http://schemas.openxmlformats.org/officeDocument/2006/math">
                     <m:oMathParaPr>
@@ -3852,18 +3951,24 @@
                       <m:sSub>
                         <m:sSubPr>
                           <m:ctrlPr>
-                            <a:rPr lang="en-IN" sz="2400" i="1"/>
+                            <a:rPr lang="en-IN" sz="2400" i="1">
+                              <a:latin typeface="Cambria Math" panose="02040503050406030204" pitchFamily="18" charset="0"/>
+                            </a:rPr>
                           </m:ctrlPr>
                         </m:sSubPr>
                         <m:e>
                           <m:r>
-                            <a:rPr lang="en-IN" sz="2400" i="1"/>
+                            <a:rPr lang="en-IN" sz="2400" i="1">
+                              <a:latin typeface="Cambria Math" panose="02040503050406030204" pitchFamily="18" charset="0"/>
+                            </a:rPr>
                             <m:t>𝑥</m:t>
                           </m:r>
                         </m:e>
                         <m:sub>
                           <m:r>
-                            <a:rPr lang="en-IN" sz="2400" i="1"/>
+                            <a:rPr lang="en-IN" sz="2400" i="1">
+                              <a:latin typeface="Cambria Math" panose="02040503050406030204" pitchFamily="18" charset="0"/>
+                            </a:rPr>
                             <m:t>𝑚𝑒𝑎𝑛</m:t>
                           </m:r>
                         </m:sub>
@@ -3871,35 +3976,47 @@
                       <m:d>
                         <m:dPr>
                           <m:ctrlPr>
-                            <a:rPr lang="en-IN" sz="2400" i="1"/>
+                            <a:rPr lang="en-IN" sz="2400" i="1">
+                              <a:latin typeface="Cambria Math" panose="02040503050406030204" pitchFamily="18" charset="0"/>
+                            </a:rPr>
                           </m:ctrlPr>
                         </m:dPr>
                         <m:e>
                           <m:r>
-                            <a:rPr lang="en-IN" sz="2400" i="1"/>
+                            <a:rPr lang="en-IN" sz="2400" i="1">
+                              <a:latin typeface="Cambria Math" panose="02040503050406030204" pitchFamily="18" charset="0"/>
+                            </a:rPr>
                             <m:t>𝑛</m:t>
                           </m:r>
                         </m:e>
                       </m:d>
                       <m:r>
-                        <a:rPr lang="en-IN" sz="2400" i="1"/>
+                        <a:rPr lang="en-IN" sz="2400" i="1">
+                          <a:latin typeface="Cambria Math" panose="02040503050406030204" pitchFamily="18" charset="0"/>
+                        </a:rPr>
                         <m:t>=</m:t>
                       </m:r>
                       <m:sSub>
                         <m:sSubPr>
                           <m:ctrlPr>
-                            <a:rPr lang="en-IN" sz="2400" i="1"/>
+                            <a:rPr lang="en-IN" sz="2400" i="1">
+                              <a:latin typeface="Cambria Math" panose="02040503050406030204" pitchFamily="18" charset="0"/>
+                            </a:rPr>
                           </m:ctrlPr>
                         </m:sSubPr>
                         <m:e>
                           <m:r>
-                            <a:rPr lang="en-IN" sz="2400" i="1"/>
+                            <a:rPr lang="en-IN" sz="2400" i="1">
+                              <a:latin typeface="Cambria Math" panose="02040503050406030204" pitchFamily="18" charset="0"/>
+                            </a:rPr>
                             <m:t>𝑋</m:t>
                           </m:r>
                         </m:e>
                         <m:sub>
                           <m:r>
-                            <a:rPr lang="en-IN" sz="2400" i="1"/>
+                            <a:rPr lang="en-IN" sz="2400" i="1">
+                              <a:latin typeface="Cambria Math" panose="02040503050406030204" pitchFamily="18" charset="0"/>
+                            </a:rPr>
                             <m:t>𝑚𝑒𝑎𝑛</m:t>
                           </m:r>
                         </m:sub>
@@ -3907,54 +4024,78 @@
                       <m:d>
                         <m:dPr>
                           <m:ctrlPr>
-                            <a:rPr lang="en-IN" sz="2400" i="1"/>
+                            <a:rPr lang="en-IN" sz="2400" i="1">
+                              <a:latin typeface="Cambria Math" panose="02040503050406030204" pitchFamily="18" charset="0"/>
+                            </a:rPr>
                           </m:ctrlPr>
                         </m:dPr>
                         <m:e>
                           <m:r>
-                            <a:rPr lang="en-IN" sz="2400" i="1"/>
+                            <a:rPr lang="en-IN" sz="2400" i="1">
+                              <a:latin typeface="Cambria Math" panose="02040503050406030204" pitchFamily="18" charset="0"/>
+                            </a:rPr>
                             <m:t>𝑛</m:t>
                           </m:r>
                           <m:r>
-                            <a:rPr lang="en-IN" sz="2400" i="1"/>
+                            <a:rPr lang="en-IN" sz="2400" i="1">
+                              <a:latin typeface="Cambria Math" panose="02040503050406030204" pitchFamily="18" charset="0"/>
+                            </a:rPr>
                             <m:t>−1</m:t>
                           </m:r>
                         </m:e>
                       </m:d>
                       <m:r>
-                        <a:rPr lang="en-IN" sz="2400" i="1"/>
+                        <a:rPr lang="en-IN" sz="2400" i="1">
+                          <a:latin typeface="Cambria Math" panose="02040503050406030204" pitchFamily="18" charset="0"/>
+                        </a:rPr>
                         <m:t>∙</m:t>
                       </m:r>
                       <m:r>
-                        <a:rPr lang="en-IN" sz="2400" i="1"/>
+                        <a:rPr lang="en-IN" sz="2400" i="1">
+                          <a:latin typeface="Cambria Math" panose="02040503050406030204" pitchFamily="18" charset="0"/>
+                        </a:rPr>
                         <m:t>𝑎</m:t>
                       </m:r>
                       <m:r>
-                        <a:rPr lang="en-IN" sz="2400" i="1"/>
+                        <a:rPr lang="en-IN" sz="2400" i="1">
+                          <a:latin typeface="Cambria Math" panose="02040503050406030204" pitchFamily="18" charset="0"/>
+                        </a:rPr>
                         <m:t>+</m:t>
                       </m:r>
                       <m:r>
-                        <a:rPr lang="en-IN" sz="2400" i="1"/>
+                        <a:rPr lang="en-IN" sz="2400" i="1">
+                          <a:latin typeface="Cambria Math" panose="02040503050406030204" pitchFamily="18" charset="0"/>
+                        </a:rPr>
                         <m:t>𝑋</m:t>
                       </m:r>
                       <m:r>
-                        <a:rPr lang="en-IN" sz="2400" i="1"/>
+                        <a:rPr lang="en-IN" sz="2400" i="1">
+                          <a:latin typeface="Cambria Math" panose="02040503050406030204" pitchFamily="18" charset="0"/>
+                        </a:rPr>
                         <m:t>(</m:t>
                       </m:r>
                       <m:r>
-                        <a:rPr lang="en-IN" sz="2400" i="1"/>
+                        <a:rPr lang="en-IN" sz="2400" i="1">
+                          <a:latin typeface="Cambria Math" panose="02040503050406030204" pitchFamily="18" charset="0"/>
+                        </a:rPr>
                         <m:t>𝑛</m:t>
                       </m:r>
                       <m:r>
-                        <a:rPr lang="en-IN" sz="2400" i="1"/>
+                        <a:rPr lang="en-IN" sz="2400" i="1">
+                          <a:latin typeface="Cambria Math" panose="02040503050406030204" pitchFamily="18" charset="0"/>
+                        </a:rPr>
                         <m:t>)∙(1−</m:t>
                       </m:r>
                       <m:r>
-                        <a:rPr lang="en-IN" sz="2400" i="1"/>
+                        <a:rPr lang="en-IN" sz="2400" i="1">
+                          <a:latin typeface="Cambria Math" panose="02040503050406030204" pitchFamily="18" charset="0"/>
+                        </a:rPr>
                         <m:t>𝑎</m:t>
                       </m:r>
                       <m:r>
-                        <a:rPr lang="en-IN" sz="2400" i="1"/>
+                        <a:rPr lang="en-IN" sz="2400" i="1">
+                          <a:latin typeface="Cambria Math" panose="02040503050406030204" pitchFamily="18" charset="0"/>
+                        </a:rPr>
                         <m:t>)</m:t>
                       </m:r>
                     </m:oMath>
@@ -3972,7 +4113,7 @@
             </p:txBody>
           </p:sp>
         </mc:Choice>
-        <mc:Fallback>
+        <mc:Fallback xmlns="">
           <p:sp>
             <p:nvSpPr>
               <p:cNvPr id="10" name="Content Placeholder 10"/>
@@ -4028,8 +4169,8 @@
         </p:nvSpPr>
         <p:spPr>
           <a:xfrm>
-            <a:off x="10687689" y="3145748"/>
-            <a:ext cx="10315913" cy="13848227"/>
+            <a:off x="10687689" y="3062720"/>
+            <a:ext cx="10315913" cy="13931255"/>
           </a:xfrm>
           <a:prstGeom prst="rect">
             <a:avLst/>
@@ -4305,7 +4446,7 @@
       </p:sp>
       <p:sp>
         <p:nvSpPr>
-          <p:cNvPr id="14" name="Content Placeholder 10"/>
+          <p:cNvPr id="14" name="Content Placeholder 10_"/>
           <p:cNvSpPr txBox="1">
             <a:spLocks/>
           </p:cNvSpPr>
@@ -4488,7 +4629,7 @@
       </p:sp>
       <p:sp>
         <p:nvSpPr>
-          <p:cNvPr id="21" name="Text Placeholder 68"/>
+          <p:cNvPr id="21" name="Text Placeholder 68_"/>
           <p:cNvSpPr txBox="1">
             <a:spLocks/>
           </p:cNvSpPr>
@@ -4659,7 +4800,7 @@
       </p:sp>
       <p:sp>
         <p:nvSpPr>
-          <p:cNvPr id="27" name="Text Placeholder 68"/>
+          <p:cNvPr id="27" name="Text Placeholder 68__"/>
           <p:cNvSpPr txBox="1">
             <a:spLocks/>
           </p:cNvSpPr>
@@ -4667,8 +4808,8 @@
         </p:nvSpPr>
         <p:spPr>
           <a:xfrm>
-            <a:off x="10714985" y="23352380"/>
-            <a:ext cx="10308149" cy="3861864"/>
+            <a:off x="10681839" y="23352380"/>
+            <a:ext cx="10341295" cy="3861864"/>
           </a:xfrm>
           <a:prstGeom prst="rect">
             <a:avLst/>
@@ -4974,7 +5115,7 @@
       </p:pic>
       <p:sp>
         <p:nvSpPr>
-          <p:cNvPr id="24" name="Text Placeholder 68"/>
+          <p:cNvPr id="24" name="Text Placeholder 68___"/>
           <p:cNvSpPr txBox="1">
             <a:spLocks/>
           </p:cNvSpPr>
@@ -5205,7 +5346,7 @@
         </p:nvGraphicFramePr>
         <p:xfrm>
           <a:off x="10780134" y="6862866"/>
-          <a:ext cx="3667681" cy="2028445"/>
+          <a:ext cx="3667681" cy="2054479"/>
         </p:xfrm>
         <a:graphic>
           <a:graphicData uri="http://schemas.openxmlformats.org/drawingml/2006/table">
@@ -5670,7 +5811,7 @@
       </p:graphicFrame>
       <p:sp>
         <p:nvSpPr>
-          <p:cNvPr id="18" name="Rectangle 2">
+          <p:cNvPr id="18" name="Rectangle 2_">
             <a:extLst>
               <a:ext uri="{FF2B5EF4-FFF2-40B4-BE49-F238E27FC236}">
                 <a16:creationId xmlns:a16="http://schemas.microsoft.com/office/drawing/2014/main" id="{6112E14E-6845-4B7A-962E-E8FA8D9BE1BE}"/>
@@ -5788,7 +5929,7 @@
         </p:nvGraphicFramePr>
         <p:xfrm>
           <a:off x="14540260" y="6860582"/>
-          <a:ext cx="3206080" cy="2028445"/>
+          <a:ext cx="3206080" cy="2054479"/>
         </p:xfrm>
         <a:graphic>
           <a:graphicData uri="http://schemas.openxmlformats.org/drawingml/2006/table">
@@ -6273,7 +6414,7 @@
         </p:nvGraphicFramePr>
         <p:xfrm>
           <a:off x="17807873" y="6846741"/>
-          <a:ext cx="3100279" cy="2037432"/>
+          <a:ext cx="3100279" cy="2054479"/>
         </p:xfrm>
         <a:graphic>
           <a:graphicData uri="http://schemas.openxmlformats.org/drawingml/2006/table">
@@ -6738,7 +6879,7 @@
       </p:graphicFrame>
       <p:sp>
         <p:nvSpPr>
-          <p:cNvPr id="34" name="Rectangle 2">
+          <p:cNvPr id="34" name="Rectangle 2__">
             <a:extLst>
               <a:ext uri="{FF2B5EF4-FFF2-40B4-BE49-F238E27FC236}">
                 <a16:creationId xmlns:a16="http://schemas.microsoft.com/office/drawing/2014/main" id="{6F76564B-C0C4-4213-8F83-047E55C057D5}"/>
@@ -6836,7 +6977,7 @@
       </p:sp>
       <p:sp>
         <p:nvSpPr>
-          <p:cNvPr id="35" name="Rectangle 2">
+          <p:cNvPr id="35" name="Rectangle 2___">
             <a:extLst>
               <a:ext uri="{FF2B5EF4-FFF2-40B4-BE49-F238E27FC236}">
                 <a16:creationId xmlns:a16="http://schemas.microsoft.com/office/drawing/2014/main" id="{10EA2205-D4A3-4AD6-86BB-0AAEE25D646B}"/>
@@ -7242,7 +7383,7 @@
         </p:nvGraphicFramePr>
         <p:xfrm>
           <a:off x="16143299" y="19855447"/>
-          <a:ext cx="4712736" cy="1555029"/>
+          <a:ext cx="4712736" cy="1568046"/>
         </p:xfrm>
         <a:graphic>
           <a:graphicData uri="http://schemas.openxmlformats.org/drawingml/2006/table">
@@ -7650,6 +7791,13 @@
   <p:clrMapOvr>
     <a:masterClrMapping/>
   </p:clrMapOvr>
+  <p:timing>
+    <p:tnLst>
+      <p:par>
+        <p:cTn id="1" dur="indefinite" restart="never" nodeType="tmRoot"/>
+      </p:par>
+    </p:tnLst>
+  </p:timing>
 </p:sld>
 </file>
 

--- a/Poster_thesis.pptx
+++ b/Poster_thesis.pptx
@@ -243,7 +243,7 @@
           <a:p>
             <a:fld id="{8453E2C6-8CDE-4FA4-9434-0173729C9153}" type="datetimeFigureOut">
               <a:rPr lang="en-IN" smtClean="0"/>
-              <a:t>15-04-2019</a:t>
+              <a:t>22-04-2019</a:t>
             </a:fld>
             <a:endParaRPr lang="en-IN" dirty="0"/>
           </a:p>
@@ -413,7 +413,7 @@
           <a:p>
             <a:fld id="{8453E2C6-8CDE-4FA4-9434-0173729C9153}" type="datetimeFigureOut">
               <a:rPr lang="en-IN" smtClean="0"/>
-              <a:t>15-04-2019</a:t>
+              <a:t>22-04-2019</a:t>
             </a:fld>
             <a:endParaRPr lang="en-IN" dirty="0"/>
           </a:p>
@@ -593,7 +593,7 @@
           <a:p>
             <a:fld id="{8453E2C6-8CDE-4FA4-9434-0173729C9153}" type="datetimeFigureOut">
               <a:rPr lang="en-IN" smtClean="0"/>
-              <a:t>15-04-2019</a:t>
+              <a:t>22-04-2019</a:t>
             </a:fld>
             <a:endParaRPr lang="en-IN" dirty="0"/>
           </a:p>
@@ -763,7 +763,7 @@
           <a:p>
             <a:fld id="{8453E2C6-8CDE-4FA4-9434-0173729C9153}" type="datetimeFigureOut">
               <a:rPr lang="en-IN" smtClean="0"/>
-              <a:t>15-04-2019</a:t>
+              <a:t>22-04-2019</a:t>
             </a:fld>
             <a:endParaRPr lang="en-IN" dirty="0"/>
           </a:p>
@@ -1007,7 +1007,7 @@
           <a:p>
             <a:fld id="{8453E2C6-8CDE-4FA4-9434-0173729C9153}" type="datetimeFigureOut">
               <a:rPr lang="en-IN" smtClean="0"/>
-              <a:t>15-04-2019</a:t>
+              <a:t>22-04-2019</a:t>
             </a:fld>
             <a:endParaRPr lang="en-IN" dirty="0"/>
           </a:p>
@@ -1239,7 +1239,7 @@
           <a:p>
             <a:fld id="{8453E2C6-8CDE-4FA4-9434-0173729C9153}" type="datetimeFigureOut">
               <a:rPr lang="en-IN" smtClean="0"/>
-              <a:t>15-04-2019</a:t>
+              <a:t>22-04-2019</a:t>
             </a:fld>
             <a:endParaRPr lang="en-IN" dirty="0"/>
           </a:p>
@@ -1606,7 +1606,7 @@
           <a:p>
             <a:fld id="{8453E2C6-8CDE-4FA4-9434-0173729C9153}" type="datetimeFigureOut">
               <a:rPr lang="en-IN" smtClean="0"/>
-              <a:t>15-04-2019</a:t>
+              <a:t>22-04-2019</a:t>
             </a:fld>
             <a:endParaRPr lang="en-IN" dirty="0"/>
           </a:p>
@@ -1724,7 +1724,7 @@
           <a:p>
             <a:fld id="{8453E2C6-8CDE-4FA4-9434-0173729C9153}" type="datetimeFigureOut">
               <a:rPr lang="en-IN" smtClean="0"/>
-              <a:t>15-04-2019</a:t>
+              <a:t>22-04-2019</a:t>
             </a:fld>
             <a:endParaRPr lang="en-IN" dirty="0"/>
           </a:p>
@@ -1819,7 +1819,7 @@
           <a:p>
             <a:fld id="{8453E2C6-8CDE-4FA4-9434-0173729C9153}" type="datetimeFigureOut">
               <a:rPr lang="en-IN" smtClean="0"/>
-              <a:t>15-04-2019</a:t>
+              <a:t>22-04-2019</a:t>
             </a:fld>
             <a:endParaRPr lang="en-IN" dirty="0"/>
           </a:p>
@@ -2096,7 +2096,7 @@
           <a:p>
             <a:fld id="{8453E2C6-8CDE-4FA4-9434-0173729C9153}" type="datetimeFigureOut">
               <a:rPr lang="en-IN" smtClean="0"/>
-              <a:t>15-04-2019</a:t>
+              <a:t>22-04-2019</a:t>
             </a:fld>
             <a:endParaRPr lang="en-IN" dirty="0"/>
           </a:p>
@@ -2352,7 +2352,7 @@
           <a:p>
             <a:fld id="{8453E2C6-8CDE-4FA4-9434-0173729C9153}" type="datetimeFigureOut">
               <a:rPr lang="en-IN" smtClean="0"/>
-              <a:t>15-04-2019</a:t>
+              <a:t>22-04-2019</a:t>
             </a:fld>
             <a:endParaRPr lang="en-IN" dirty="0"/>
           </a:p>
@@ -2565,7 +2565,7 @@
           <a:p>
             <a:fld id="{8453E2C6-8CDE-4FA4-9434-0173729C9153}" type="datetimeFigureOut">
               <a:rPr lang="en-IN" smtClean="0"/>
-              <a:t>15-04-2019</a:t>
+              <a:t>22-04-2019</a:t>
             </a:fld>
             <a:endParaRPr lang="en-IN" dirty="0"/>
           </a:p>
@@ -3258,8 +3258,8 @@
           </a:p>
         </p:txBody>
       </p:sp>
-      <mc:AlternateContent xmlns:mc="http://schemas.openxmlformats.org/markup-compatibility/2006" xmlns:a14="http://schemas.microsoft.com/office/drawing/2010/main">
-        <mc:Choice Requires="a14">
+      <mc:AlternateContent xmlns:mc="http://schemas.openxmlformats.org/markup-compatibility/2006">
+        <mc:Choice xmlns:a14="http://schemas.microsoft.com/office/drawing/2010/main" Requires="a14">
           <p:sp>
             <p:nvSpPr>
               <p:cNvPr id="10" name="Content Placeholder 10"/>
@@ -3397,14 +3397,34 @@
                 <a:pPr algn="just"/>
                 <a:r>
                   <a:rPr lang="en-IN" sz="2400" dirty="0"/>
-                  <a:t>The cloud architecture is established based on a particular model architecture combining several components. Which is resulting creating a hybrid model for IoT and machine learning by connecting them through a web-based platform. By adding more functionalities, we can expand due to scalability.</a:t>
+                  <a:t>The cloud architecture is established based on a particular model </a:t>
+                </a:r>
+                <a:r>
+                  <a:rPr lang="en-IN" sz="2400" dirty="0" smtClean="0"/>
+                  <a:t>combining </a:t>
+                </a:r>
+                <a:r>
+                  <a:rPr lang="en-IN" sz="2400" dirty="0"/>
+                  <a:t>several components. Which is resulting creating a hybrid model for IoT and machine learning by connecting them through a web-based platform. By adding more functionalities, we can expand due to scalability.</a:t>
                 </a:r>
               </a:p>
               <a:p>
                 <a:pPr algn="just"/>
                 <a:r>
                   <a:rPr lang="en-IN" sz="2400" dirty="0"/>
-                  <a:t>The whole architecture is can be divided into two parts based on the model architecture. The first is the IoT model which is the user interaction model and the other is the machine learning part, which is the server-side model.</a:t>
+                  <a:t>The whole </a:t>
+                </a:r>
+                <a:r>
+                  <a:rPr lang="en-IN" sz="2400"/>
+                  <a:t>architecture </a:t>
+                </a:r>
+                <a:r>
+                  <a:rPr lang="en-IN" sz="2400" smtClean="0"/>
+                  <a:t>can </a:t>
+                </a:r>
+                <a:r>
+                  <a:rPr lang="en-IN" sz="2400" dirty="0"/>
+                  <a:t>be divided into two parts based on the model architecture. The first is the IoT model which is the user interaction model and the other is the machine learning part, which is the server-side model.</a:t>
                 </a:r>
               </a:p>
               <a:p>
@@ -4113,7 +4133,7 @@
             </p:txBody>
           </p:sp>
         </mc:Choice>
-        <mc:Fallback xmlns="">
+        <mc:Fallback>
           <p:sp>
             <p:nvSpPr>
               <p:cNvPr id="10" name="Content Placeholder 10"/>
@@ -4133,7 +4153,7 @@
               <a:blipFill>
                 <a:blip r:embed="rId2"/>
                 <a:stretch>
-                  <a:fillRect l="-823" t="-417" r="-823" b="-385"/>
+                  <a:fillRect l="-823" t="-417" r="-823" b="-353"/>
                 </a:stretch>
               </a:blipFill>
               <a:ln w="15875">
@@ -4149,7 +4169,7 @@
               <a:lstStyle/>
               <a:p>
                 <a:r>
-                  <a:rPr lang="en-IN">
+                  <a:rPr lang="en-US">
                     <a:noFill/>
                   </a:rPr>
                   <a:t> </a:t>
@@ -4581,7 +4601,31 @@
             <a:pPr algn="just"/>
             <a:r>
               <a:rPr lang="en-IN" sz="2400" dirty="0"/>
-              <a:t>Smart wearable device undoubtedly one of the most trending technological advancement in the modern world. By the invention of foldable screen technology, which is more applicable devices which are being wear on an uneven surface like wrists. It is also being targeted to be more durable &amp; cheap. This proposed work is in its earlier stage. We will be keep working for adding more functionalities and better logical implementation so that the whole world can utilise this as an acceptable option, and not only for personal usage but also for business reasons.</a:t>
+              <a:t>Smart wearable </a:t>
+            </a:r>
+            <a:r>
+              <a:rPr lang="en-IN" sz="2400" dirty="0" smtClean="0"/>
+              <a:t>devices </a:t>
+            </a:r>
+            <a:r>
+              <a:rPr lang="en-IN" sz="2400" dirty="0"/>
+              <a:t>undoubtedly one of the most trending technological advancement in the modern world. By the invention of foldable screen technology, which is more </a:t>
+            </a:r>
+            <a:r>
+              <a:rPr lang="en-IN" sz="2400" dirty="0" smtClean="0"/>
+              <a:t>applicable for </a:t>
+            </a:r>
+            <a:r>
+              <a:rPr lang="en-IN" sz="2400" dirty="0"/>
+              <a:t>devices which are being wear on an uneven surface like </a:t>
+            </a:r>
+            <a:r>
+              <a:rPr lang="en-IN" sz="2400" dirty="0" smtClean="0"/>
+              <a:t>human wrists</a:t>
+            </a:r>
+            <a:r>
+              <a:rPr lang="en-IN" sz="2400" dirty="0"/>
+              <a:t>. It is also being targeted to be more durable &amp; cheap. This proposed work is in its earlier stage. We will be keep working for adding more functionalities and better logical implementation so that the whole world can utilise this as an acceptable option, and not only for personal usage but also for business reasons.</a:t>
             </a:r>
           </a:p>
           <a:p>
@@ -4763,8 +4807,36 @@
           <a:p>
             <a:pPr algn="just"/>
             <a:r>
+              <a:rPr lang="en-IN" dirty="0" smtClean="0"/>
+              <a:t>Identifying </a:t>
+            </a:r>
+            <a:r>
               <a:rPr lang="en-IN" dirty="0"/>
-              <a:t>Identification the requirements and implementation of a smart and secure system for wearable devices to capture or record human activity data. Further analysis of this data will help certain pattern and recommend most suitable activity based on personalised data. By applying different machine learning models we have figured out the best possible scenario for this methodology application.</a:t>
+              <a:t>the requirements and implementation of a smart and secure system for wearable devices to capture or record human activity data. </a:t>
+            </a:r>
+            <a:r>
+              <a:rPr lang="en-IN" dirty="0" smtClean="0"/>
+              <a:t>Analysis </a:t>
+            </a:r>
+            <a:r>
+              <a:rPr lang="en-IN" dirty="0"/>
+              <a:t>of this data will help certain pattern and recommend most suitable </a:t>
+            </a:r>
+            <a:r>
+              <a:rPr lang="en-IN" dirty="0" smtClean="0"/>
+              <a:t>activity, </a:t>
+            </a:r>
+            <a:r>
+              <a:rPr lang="en-IN" dirty="0"/>
+              <a:t>based on </a:t>
+            </a:r>
+            <a:r>
+              <a:rPr lang="en-IN" dirty="0" smtClean="0"/>
+              <a:t>the personalised </a:t>
+            </a:r>
+            <a:r>
+              <a:rPr lang="en-IN" dirty="0"/>
+              <a:t>data. By applying different machine learning models we have figured out the best possible scenario for this methodology application.</a:t>
             </a:r>
           </a:p>
         </p:txBody>
